--- a/수업자료/7. flex_grid.pptx
+++ b/수업자료/7. flex_grid.pptx
@@ -655,7 +655,7 @@
           <a:p>
             <a:fld id="{1D8BD707-D9CF-40AE-B4C6-C98DA3205C09}" type="datetimeFigureOut">
               <a:rPr lang="en-US"/>
-              <a:t>3/5/2023</a:t>
+              <a:t>4/22/2024</a:t>
             </a:fld>
             <a:endParaRPr lang="en-US"/>
           </a:p>
@@ -830,7 +830,7 @@
           <a:p>
             <a:fld id="{1D8BD707-D9CF-40AE-B4C6-C98DA3205C09}" type="datetimeFigureOut">
               <a:rPr lang="en-US"/>
-              <a:t>3/5/2023</a:t>
+              <a:t>4/22/2024</a:t>
             </a:fld>
             <a:endParaRPr lang="en-US"/>
           </a:p>
@@ -1044,7 +1044,7 @@
           <a:p>
             <a:fld id="{1D8BD707-D9CF-40AE-B4C6-C98DA3205C09}" type="datetimeFigureOut">
               <a:rPr lang="en-US"/>
-              <a:t>3/5/2023</a:t>
+              <a:t>4/22/2024</a:t>
             </a:fld>
             <a:endParaRPr lang="en-US"/>
           </a:p>
@@ -1192,7 +1192,7 @@
           <a:p>
             <a:fld id="{1D8BD707-D9CF-40AE-B4C6-C98DA3205C09}" type="datetimeFigureOut">
               <a:rPr lang="en-US"/>
-              <a:t>3/5/2023</a:t>
+              <a:t>4/22/2024</a:t>
             </a:fld>
             <a:endParaRPr lang="en-US"/>
           </a:p>
@@ -1665,7 +1665,7 @@
           <a:p>
             <a:fld id="{1D8BD707-D9CF-40AE-B4C6-C98DA3205C09}" type="datetimeFigureOut">
               <a:rPr lang="en-US"/>
-              <a:t>3/5/2023</a:t>
+              <a:t>4/22/2024</a:t>
             </a:fld>
             <a:endParaRPr lang="en-US"/>
           </a:p>
@@ -1891,7 +1891,7 @@
             <a:fld id="{1D8BD707-D9CF-40AE-B4C6-C98DA3205C09}" type="datetimeFigureOut">
               <a:rPr lang="en-US" smtClean="0"/>
               <a:pPr/>
-              <a:t>3/5/2023</a:t>
+              <a:t>4/22/2024</a:t>
             </a:fld>
             <a:endParaRPr lang="en-US" dirty="0"/>
           </a:p>
@@ -3104,6 +3104,52 @@
           </a:graphicData>
         </a:graphic>
       </p:graphicFrame>
+      <p:sp>
+        <p:nvSpPr>
+          <p:cNvPr id="6" name="직사각형 5"/>
+          <p:cNvSpPr/>
+          <p:nvPr/>
+        </p:nvSpPr>
+        <p:spPr>
+          <a:xfrm>
+            <a:off x="6013450" y="3220332"/>
+            <a:ext cx="7086600" cy="681743"/>
+          </a:xfrm>
+          <a:prstGeom prst="rect">
+            <a:avLst/>
+          </a:prstGeom>
+          <a:noFill/>
+          <a:ln w="38100">
+            <a:solidFill>
+              <a:srgbClr val="FF0000"/>
+            </a:solidFill>
+          </a:ln>
+        </p:spPr>
+        <p:style>
+          <a:lnRef idx="2">
+            <a:schemeClr val="accent1">
+              <a:shade val="50000"/>
+            </a:schemeClr>
+          </a:lnRef>
+          <a:fillRef idx="1">
+            <a:schemeClr val="accent1"/>
+          </a:fillRef>
+          <a:effectRef idx="0">
+            <a:schemeClr val="accent1"/>
+          </a:effectRef>
+          <a:fontRef idx="minor">
+            <a:schemeClr val="lt1"/>
+          </a:fontRef>
+        </p:style>
+        <p:txBody>
+          <a:bodyPr rtlCol="0" anchor="ctr"/>
+          <a:lstStyle/>
+          <a:p>
+            <a:pPr algn="ctr"/>
+            <a:endParaRPr lang="ko-KR" altLang="en-US"/>
+          </a:p>
+        </p:txBody>
+      </p:sp>
     </p:spTree>
   </p:cSld>
   <p:clrMapOvr>
@@ -4135,6 +4181,52 @@
           </a:graphicData>
         </a:graphic>
       </p:graphicFrame>
+      <p:sp>
+        <p:nvSpPr>
+          <p:cNvPr id="6" name="직사각형 5"/>
+          <p:cNvSpPr/>
+          <p:nvPr/>
+        </p:nvSpPr>
+        <p:spPr>
+          <a:xfrm>
+            <a:off x="3346450" y="3140075"/>
+            <a:ext cx="6629400" cy="757943"/>
+          </a:xfrm>
+          <a:prstGeom prst="rect">
+            <a:avLst/>
+          </a:prstGeom>
+          <a:noFill/>
+          <a:ln w="38100">
+            <a:solidFill>
+              <a:srgbClr val="FF0000"/>
+            </a:solidFill>
+          </a:ln>
+        </p:spPr>
+        <p:style>
+          <a:lnRef idx="2">
+            <a:schemeClr val="accent1">
+              <a:shade val="50000"/>
+            </a:schemeClr>
+          </a:lnRef>
+          <a:fillRef idx="1">
+            <a:schemeClr val="accent1"/>
+          </a:fillRef>
+          <a:effectRef idx="0">
+            <a:schemeClr val="accent1"/>
+          </a:effectRef>
+          <a:fontRef idx="minor">
+            <a:schemeClr val="lt1"/>
+          </a:fontRef>
+        </p:style>
+        <p:txBody>
+          <a:bodyPr rtlCol="0" anchor="ctr"/>
+          <a:lstStyle/>
+          <a:p>
+            <a:pPr algn="ctr"/>
+            <a:endParaRPr lang="ko-KR" altLang="en-US"/>
+          </a:p>
+        </p:txBody>
+      </p:sp>
     </p:spTree>
   </p:cSld>
   <p:clrMapOvr>
@@ -6950,7 +7042,7 @@
         <p:spPr>
           <a:xfrm>
             <a:off x="1627868" y="854574"/>
-            <a:ext cx="9197975" cy="1533525"/>
+            <a:ext cx="10024382" cy="1533525"/>
           </a:xfrm>
           <a:prstGeom prst="rect">
             <a:avLst/>
@@ -7061,7 +7153,7 @@
               </a:spcBef>
             </a:pPr>
             <a:r>
-              <a:rPr sz="4950" b="1" spc="-780" dirty="0">
+              <a:rPr sz="4800" b="1" spc="-780" dirty="0">
                 <a:latin typeface="돋움" panose="020B0600000101010101" pitchFamily="50" charset="-127"/>
                 <a:ea typeface="돋움" panose="020B0600000101010101" pitchFamily="50" charset="-127"/>
                 <a:cs typeface="Arial" panose="020B0604020202020204" pitchFamily="34" charset="0"/>
@@ -7069,7 +7161,7 @@
               <a:t>플렉스박스는 </a:t>
             </a:r>
             <a:r>
-              <a:rPr sz="4950" b="1" spc="-600" dirty="0">
+              <a:rPr sz="4800" b="1" spc="-600" dirty="0">
                 <a:latin typeface="돋움" panose="020B0600000101010101" pitchFamily="50" charset="-127"/>
                 <a:ea typeface="돋움" panose="020B0600000101010101" pitchFamily="50" charset="-127"/>
                 <a:cs typeface="Arial" panose="020B0604020202020204" pitchFamily="34" charset="0"/>
@@ -7077,7 +7169,7 @@
               <a:t>행 </a:t>
             </a:r>
             <a:r>
-              <a:rPr sz="4950" b="1" spc="-795" dirty="0">
+              <a:rPr sz="4800" b="1" spc="-795" dirty="0">
                 <a:latin typeface="돋움" panose="020B0600000101010101" pitchFamily="50" charset="-127"/>
                 <a:ea typeface="돋움" panose="020B0600000101010101" pitchFamily="50" charset="-127"/>
                 <a:cs typeface="Arial" panose="020B0604020202020204" pitchFamily="34" charset="0"/>
@@ -7085,7 +7177,7 @@
               <a:t>또는  </a:t>
             </a:r>
             <a:r>
-              <a:rPr sz="4950" b="1" spc="-844" dirty="0">
+              <a:rPr sz="4800" b="1" spc="-844" dirty="0">
                 <a:latin typeface="돋움" panose="020B0600000101010101" pitchFamily="50" charset="-127"/>
                 <a:ea typeface="돋움" panose="020B0600000101010101" pitchFamily="50" charset="-127"/>
                 <a:cs typeface="Arial" panose="020B0604020202020204" pitchFamily="34" charset="0"/>
@@ -7093,7 +7185,7 @@
               <a:t>열을 </a:t>
             </a:r>
             <a:r>
-              <a:rPr sz="4950" b="1" spc="-819" dirty="0">
+              <a:rPr sz="4800" b="1" spc="-819" dirty="0">
                 <a:latin typeface="돋움" panose="020B0600000101010101" pitchFamily="50" charset="-127"/>
                 <a:ea typeface="돋움" panose="020B0600000101010101" pitchFamily="50" charset="-127"/>
                 <a:cs typeface="Arial" panose="020B0604020202020204" pitchFamily="34" charset="0"/>
@@ -7101,7 +7193,7 @@
               <a:t>주축으로 </a:t>
             </a:r>
             <a:r>
-              <a:rPr sz="4950" b="1" spc="-860" dirty="0">
+              <a:rPr sz="4800" b="1" spc="-860" dirty="0">
                 <a:latin typeface="돋움" panose="020B0600000101010101" pitchFamily="50" charset="-127"/>
                 <a:ea typeface="돋움" panose="020B0600000101010101" pitchFamily="50" charset="-127"/>
                 <a:cs typeface="Arial" panose="020B0604020202020204" pitchFamily="34" charset="0"/>
@@ -7109,7 +7201,7 @@
               <a:t>설정하여 </a:t>
             </a:r>
             <a:r>
-              <a:rPr sz="4950" b="1" spc="-600" dirty="0">
+              <a:rPr sz="4800" b="1" spc="-600" dirty="0">
                 <a:latin typeface="돋움" panose="020B0600000101010101" pitchFamily="50" charset="-127"/>
                 <a:ea typeface="돋움" panose="020B0600000101010101" pitchFamily="50" charset="-127"/>
                 <a:cs typeface="Arial" panose="020B0604020202020204" pitchFamily="34" charset="0"/>
@@ -7117,7 +7209,7 @@
               <a:t>웹 </a:t>
             </a:r>
             <a:r>
-              <a:rPr sz="4950" b="1" spc="-815" dirty="0">
+              <a:rPr sz="4800" b="1" spc="-815" dirty="0">
                 <a:latin typeface="돋움" panose="020B0600000101010101" pitchFamily="50" charset="-127"/>
                 <a:ea typeface="돋움" panose="020B0600000101010101" pitchFamily="50" charset="-127"/>
                 <a:cs typeface="Arial" panose="020B0604020202020204" pitchFamily="34" charset="0"/>
@@ -7125,7 +7217,7 @@
               <a:t>요소를 </a:t>
             </a:r>
             <a:r>
-              <a:rPr sz="4950" b="1" spc="-760" dirty="0">
+              <a:rPr sz="4800" b="1" spc="-760" dirty="0">
                 <a:latin typeface="돋움" panose="020B0600000101010101" pitchFamily="50" charset="-127"/>
                 <a:ea typeface="돋움" panose="020B0600000101010101" pitchFamily="50" charset="-127"/>
                 <a:cs typeface="Arial" panose="020B0604020202020204" pitchFamily="34" charset="0"/>
@@ -7133,7 +7225,7 @@
               <a:t>배치 </a:t>
             </a:r>
             <a:r>
-              <a:rPr sz="4950" b="1" spc="-844" dirty="0">
+              <a:rPr sz="4800" b="1" spc="-844" dirty="0">
                 <a:latin typeface="돋움" panose="020B0600000101010101" pitchFamily="50" charset="-127"/>
                 <a:ea typeface="돋움" panose="020B0600000101010101" pitchFamily="50" charset="-127"/>
                 <a:cs typeface="Arial" panose="020B0604020202020204" pitchFamily="34" charset="0"/>
@@ -7141,7 +7233,7 @@
               <a:t>및 </a:t>
             </a:r>
             <a:r>
-              <a:rPr sz="4950" b="1" spc="-835" dirty="0">
+              <a:rPr sz="4800" b="1" spc="-835" dirty="0">
                 <a:latin typeface="돋움" panose="020B0600000101010101" pitchFamily="50" charset="-127"/>
                 <a:ea typeface="돋움" panose="020B0600000101010101" pitchFamily="50" charset="-127"/>
                 <a:cs typeface="Arial" panose="020B0604020202020204" pitchFamily="34" charset="0"/>
@@ -7149,7 +7241,7 @@
               <a:t>정렬하는 </a:t>
             </a:r>
             <a:r>
-              <a:rPr sz="4950" b="1" spc="-1040" dirty="0">
+              <a:rPr sz="4800" b="1" spc="-1040" dirty="0">
                 <a:latin typeface="돋움" panose="020B0600000101010101" pitchFamily="50" charset="-127"/>
                 <a:ea typeface="돋움" panose="020B0600000101010101" pitchFamily="50" charset="-127"/>
                 <a:cs typeface="Arial" panose="020B0604020202020204" pitchFamily="34" charset="0"/>
@@ -7157,7 +7249,7 @@
               <a:t>1차  </a:t>
             </a:r>
             <a:r>
-              <a:rPr sz="4950" b="1" spc="-844" dirty="0">
+              <a:rPr sz="4800" b="1" spc="-844" dirty="0">
                 <a:latin typeface="돋움" panose="020B0600000101010101" pitchFamily="50" charset="-127"/>
                 <a:ea typeface="돋움" panose="020B0600000101010101" pitchFamily="50" charset="-127"/>
                 <a:cs typeface="Arial" panose="020B0604020202020204" pitchFamily="34" charset="0"/>
@@ -7165,7 +7257,7 @@
               <a:t>원 </a:t>
             </a:r>
             <a:r>
-              <a:rPr sz="4950" b="1" spc="-775" dirty="0">
+              <a:rPr sz="4800" b="1" spc="-775" dirty="0">
                 <a:latin typeface="돋움" panose="020B0600000101010101" pitchFamily="50" charset="-127"/>
                 <a:ea typeface="돋움" panose="020B0600000101010101" pitchFamily="50" charset="-127"/>
                 <a:cs typeface="Arial" panose="020B0604020202020204" pitchFamily="34" charset="0"/>
@@ -7173,7 +7265,7 @@
               <a:t>레이아웃 </a:t>
             </a:r>
             <a:r>
-              <a:rPr sz="4950" b="1" spc="-790" dirty="0">
+              <a:rPr sz="4800" b="1" spc="-790" dirty="0">
                 <a:latin typeface="돋움" panose="020B0600000101010101" pitchFamily="50" charset="-127"/>
                 <a:ea typeface="돋움" panose="020B0600000101010101" pitchFamily="50" charset="-127"/>
                 <a:cs typeface="Arial" panose="020B0604020202020204" pitchFamily="34" charset="0"/>
@@ -7181,7 +7273,7 @@
               <a:t>방식을</a:t>
             </a:r>
             <a:r>
-              <a:rPr sz="4950" b="1" spc="-730" dirty="0">
+              <a:rPr sz="4800" b="1" spc="-730" dirty="0">
                 <a:latin typeface="돋움" panose="020B0600000101010101" pitchFamily="50" charset="-127"/>
                 <a:ea typeface="돋움" panose="020B0600000101010101" pitchFamily="50" charset="-127"/>
                 <a:cs typeface="Arial" panose="020B0604020202020204" pitchFamily="34" charset="0"/>
@@ -7189,14 +7281,14 @@
               <a:t> </a:t>
             </a:r>
             <a:r>
-              <a:rPr sz="4950" b="1" spc="-795" dirty="0">
+              <a:rPr sz="4800" b="1" spc="-795" dirty="0">
                 <a:latin typeface="돋움" panose="020B0600000101010101" pitchFamily="50" charset="-127"/>
                 <a:ea typeface="돋움" panose="020B0600000101010101" pitchFamily="50" charset="-127"/>
                 <a:cs typeface="Arial" panose="020B0604020202020204" pitchFamily="34" charset="0"/>
               </a:rPr>
               <a:t>말합니다.</a:t>
             </a:r>
-            <a:endParaRPr sz="4950" b="1" dirty="0">
+            <a:endParaRPr sz="4800" b="1" dirty="0">
               <a:latin typeface="돋움" panose="020B0600000101010101" pitchFamily="50" charset="-127"/>
               <a:ea typeface="돋움" panose="020B0600000101010101" pitchFamily="50" charset="-127"/>
               <a:cs typeface="Arial" panose="020B0604020202020204" pitchFamily="34" charset="0"/>
@@ -7211,7 +7303,7 @@
                 <a:spcPts val="90"/>
               </a:spcBef>
             </a:pPr>
-            <a:endParaRPr sz="4950" b="1" dirty="0">
+            <a:endParaRPr sz="4800" b="1" dirty="0">
               <a:latin typeface="돋움" panose="020B0600000101010101" pitchFamily="50" charset="-127"/>
               <a:ea typeface="돋움" panose="020B0600000101010101" pitchFamily="50" charset="-127"/>
               <a:cs typeface="Arial" panose="020B0604020202020204" pitchFamily="34" charset="0"/>
@@ -7224,7 +7316,7 @@
               </a:lnSpc>
             </a:pPr>
             <a:r>
-              <a:rPr sz="4950" b="1" spc="-770" dirty="0">
+              <a:rPr sz="4800" b="1" spc="-770" dirty="0">
                 <a:latin typeface="돋움" panose="020B0600000101010101" pitchFamily="50" charset="-127"/>
                 <a:ea typeface="돋움" panose="020B0600000101010101" pitchFamily="50" charset="-127"/>
                 <a:cs typeface="Arial" panose="020B0604020202020204" pitchFamily="34" charset="0"/>
@@ -7232,7 +7324,7 @@
               <a:t>플렉스박스</a:t>
             </a:r>
             <a:r>
-              <a:rPr sz="4950" b="1" spc="-409" dirty="0">
+              <a:rPr sz="4800" b="1" spc="-409" dirty="0">
                 <a:latin typeface="돋움" panose="020B0600000101010101" pitchFamily="50" charset="-127"/>
                 <a:ea typeface="돋움" panose="020B0600000101010101" pitchFamily="50" charset="-127"/>
                 <a:cs typeface="Arial" panose="020B0604020202020204" pitchFamily="34" charset="0"/>
@@ -7240,7 +7332,7 @@
               <a:t> </a:t>
             </a:r>
             <a:r>
-              <a:rPr sz="4950" b="1" spc="-770" dirty="0">
+              <a:rPr sz="4800" b="1" spc="-770" dirty="0">
                 <a:latin typeface="돋움" panose="020B0600000101010101" pitchFamily="50" charset="-127"/>
                 <a:ea typeface="돋움" panose="020B0600000101010101" pitchFamily="50" charset="-127"/>
                 <a:cs typeface="Arial" panose="020B0604020202020204" pitchFamily="34" charset="0"/>
@@ -7248,7 +7340,7 @@
               <a:t>방식에서,  </a:t>
             </a:r>
             <a:r>
-              <a:rPr sz="4950" b="1" spc="-844" dirty="0">
+              <a:rPr sz="4800" b="1" spc="-844" dirty="0">
                 <a:latin typeface="돋움" panose="020B0600000101010101" pitchFamily="50" charset="-127"/>
                 <a:ea typeface="돋움" panose="020B0600000101010101" pitchFamily="50" charset="-127"/>
                 <a:cs typeface="Arial" panose="020B0604020202020204" pitchFamily="34" charset="0"/>
@@ -7256,7 +7348,7 @@
               <a:t>요소의 </a:t>
             </a:r>
             <a:r>
-              <a:rPr sz="4950" b="1" spc="-740" dirty="0">
+              <a:rPr sz="4800" b="1" spc="-740" dirty="0">
                 <a:latin typeface="돋움" panose="020B0600000101010101" pitchFamily="50" charset="-127"/>
                 <a:ea typeface="돋움" panose="020B0600000101010101" pitchFamily="50" charset="-127"/>
                 <a:cs typeface="Arial" panose="020B0604020202020204" pitchFamily="34" charset="0"/>
@@ -7264,7 +7356,7 @@
               <a:t>배치와 </a:t>
             </a:r>
             <a:r>
-              <a:rPr sz="4950" b="1" spc="-880" dirty="0">
+              <a:rPr sz="4800" b="1" spc="-880" dirty="0">
                 <a:latin typeface="돋움" panose="020B0600000101010101" pitchFamily="50" charset="-127"/>
                 <a:ea typeface="돋움" panose="020B0600000101010101" pitchFamily="50" charset="-127"/>
                 <a:cs typeface="Arial" panose="020B0604020202020204" pitchFamily="34" charset="0"/>
@@ -7272,7 +7364,7 @@
               <a:t>정렬은 </a:t>
             </a:r>
             <a:r>
-              <a:rPr sz="4950" b="1" spc="-765" dirty="0">
+              <a:rPr sz="4800" b="1" spc="-765" dirty="0">
                 <a:latin typeface="돋움" panose="020B0600000101010101" pitchFamily="50" charset="-127"/>
                 <a:ea typeface="돋움" panose="020B0600000101010101" pitchFamily="50" charset="-127"/>
                 <a:cs typeface="Arial" panose="020B0604020202020204" pitchFamily="34" charset="0"/>
@@ -7280,7 +7372,7 @@
               <a:t>플렉스 </a:t>
             </a:r>
             <a:r>
-              <a:rPr sz="4950" b="1" spc="-825" dirty="0">
+              <a:rPr sz="4800" b="1" spc="-825" dirty="0">
                 <a:latin typeface="돋움" panose="020B0600000101010101" pitchFamily="50" charset="-127"/>
                 <a:ea typeface="돋움" panose="020B0600000101010101" pitchFamily="50" charset="-127"/>
                 <a:cs typeface="Arial" panose="020B0604020202020204" pitchFamily="34" charset="0"/>
@@ -7288,7 +7380,7 @@
               <a:t>컨테이너와 </a:t>
             </a:r>
             <a:r>
-              <a:rPr sz="4950" b="1" spc="-765" dirty="0">
+              <a:rPr sz="4800" b="1" spc="-765" dirty="0">
                 <a:latin typeface="돋움" panose="020B0600000101010101" pitchFamily="50" charset="-127"/>
                 <a:ea typeface="돋움" panose="020B0600000101010101" pitchFamily="50" charset="-127"/>
                 <a:cs typeface="Arial" panose="020B0604020202020204" pitchFamily="34" charset="0"/>
@@ -7296,7 +7388,7 @@
               <a:t>플렉스 </a:t>
             </a:r>
             <a:r>
-              <a:rPr sz="4950" b="1" spc="-780" dirty="0">
+              <a:rPr sz="4800" b="1" spc="-780" dirty="0">
                 <a:latin typeface="돋움" panose="020B0600000101010101" pitchFamily="50" charset="-127"/>
                 <a:ea typeface="돋움" panose="020B0600000101010101" pitchFamily="50" charset="-127"/>
                 <a:cs typeface="Arial" panose="020B0604020202020204" pitchFamily="34" charset="0"/>
@@ -7304,7 +7396,7 @@
               <a:t>아이템  </a:t>
             </a:r>
             <a:r>
-              <a:rPr sz="4950" b="1" spc="-775" dirty="0">
+              <a:rPr sz="4800" b="1" spc="-775" dirty="0">
                 <a:latin typeface="돋움" panose="020B0600000101010101" pitchFamily="50" charset="-127"/>
                 <a:ea typeface="돋움" panose="020B0600000101010101" pitchFamily="50" charset="-127"/>
                 <a:cs typeface="Arial" panose="020B0604020202020204" pitchFamily="34" charset="0"/>
@@ -7312,7 +7404,7 @@
               <a:t>간의 </a:t>
             </a:r>
             <a:r>
-              <a:rPr sz="4950" b="1" spc="-770" dirty="0">
+              <a:rPr sz="4800" b="1" spc="-770" dirty="0">
                 <a:latin typeface="돋움" panose="020B0600000101010101" pitchFamily="50" charset="-127"/>
                 <a:ea typeface="돋움" panose="020B0600000101010101" pitchFamily="50" charset="-127"/>
                 <a:cs typeface="Arial" panose="020B0604020202020204" pitchFamily="34" charset="0"/>
@@ -7320,7 +7412,7 @@
               <a:t>상호작용을</a:t>
             </a:r>
             <a:r>
-              <a:rPr sz="4950" b="1" spc="-409" dirty="0">
+              <a:rPr sz="4800" b="1" spc="-409" dirty="0">
                 <a:latin typeface="돋움" panose="020B0600000101010101" pitchFamily="50" charset="-127"/>
                 <a:ea typeface="돋움" panose="020B0600000101010101" pitchFamily="50" charset="-127"/>
                 <a:cs typeface="Arial" panose="020B0604020202020204" pitchFamily="34" charset="0"/>
@@ -7328,7 +7420,7 @@
               <a:t> </a:t>
             </a:r>
             <a:r>
-              <a:rPr sz="4950" b="1" spc="-725" dirty="0">
+              <a:rPr sz="4800" b="1" spc="-725" dirty="0">
                 <a:latin typeface="돋움" panose="020B0600000101010101" pitchFamily="50" charset="-127"/>
                 <a:ea typeface="돋움" panose="020B0600000101010101" pitchFamily="50" charset="-127"/>
                 <a:cs typeface="Arial" panose="020B0604020202020204" pitchFamily="34" charset="0"/>
@@ -7336,7 +7428,7 @@
               <a:t>통해</a:t>
             </a:r>
             <a:r>
-              <a:rPr sz="4950" b="1" spc="-385" dirty="0">
+              <a:rPr sz="4800" b="1" spc="-385" dirty="0">
                 <a:latin typeface="돋움" panose="020B0600000101010101" pitchFamily="50" charset="-127"/>
                 <a:ea typeface="돋움" panose="020B0600000101010101" pitchFamily="50" charset="-127"/>
                 <a:cs typeface="Arial" panose="020B0604020202020204" pitchFamily="34" charset="0"/>
@@ -7344,14 +7436,14 @@
               <a:t> </a:t>
             </a:r>
             <a:r>
-              <a:rPr sz="4950" b="1" spc="-900" dirty="0">
+              <a:rPr sz="4800" b="1" spc="-900" dirty="0">
                 <a:latin typeface="돋움" panose="020B0600000101010101" pitchFamily="50" charset="-127"/>
                 <a:ea typeface="돋움" panose="020B0600000101010101" pitchFamily="50" charset="-127"/>
                 <a:cs typeface="Arial" panose="020B0604020202020204" pitchFamily="34" charset="0"/>
               </a:rPr>
               <a:t>결정됩니다.</a:t>
             </a:r>
-            <a:endParaRPr sz="4950" b="1" dirty="0">
+            <a:endParaRPr sz="4800" b="1" dirty="0">
               <a:latin typeface="돋움" panose="020B0600000101010101" pitchFamily="50" charset="-127"/>
               <a:ea typeface="돋움" panose="020B0600000101010101" pitchFamily="50" charset="-127"/>
               <a:cs typeface="Arial" panose="020B0604020202020204" pitchFamily="34" charset="0"/>
@@ -7366,7 +7458,7 @@
                 <a:spcPts val="15"/>
               </a:spcBef>
             </a:pPr>
-            <a:endParaRPr sz="4950" b="1" dirty="0">
+            <a:endParaRPr sz="4800" b="1" dirty="0">
               <a:latin typeface="돋움" panose="020B0600000101010101" pitchFamily="50" charset="-127"/>
               <a:ea typeface="돋움" panose="020B0600000101010101" pitchFamily="50" charset="-127"/>
               <a:cs typeface="Arial" panose="020B0604020202020204" pitchFamily="34" charset="0"/>
@@ -7379,7 +7471,7 @@
               </a:lnSpc>
             </a:pPr>
             <a:r>
-              <a:rPr sz="4950" b="1" spc="-765" dirty="0">
+              <a:rPr sz="4800" b="1" spc="-765" dirty="0">
                 <a:latin typeface="돋움" panose="020B0600000101010101" pitchFamily="50" charset="-127"/>
                 <a:ea typeface="돋움" panose="020B0600000101010101" pitchFamily="50" charset="-127"/>
                 <a:cs typeface="Arial" panose="020B0604020202020204" pitchFamily="34" charset="0"/>
@@ -7387,7 +7479,7 @@
               <a:t>플렉스 </a:t>
             </a:r>
             <a:r>
-              <a:rPr sz="4950" b="1" spc="-860" dirty="0">
+              <a:rPr sz="4800" b="1" spc="-860" dirty="0">
                 <a:latin typeface="돋움" panose="020B0600000101010101" pitchFamily="50" charset="-127"/>
                 <a:ea typeface="돋움" panose="020B0600000101010101" pitchFamily="50" charset="-127"/>
                 <a:cs typeface="Arial" panose="020B0604020202020204" pitchFamily="34" charset="0"/>
@@ -7395,7 +7487,7 @@
               <a:t>컨테이너 </a:t>
             </a:r>
             <a:r>
-              <a:rPr sz="4950" b="1" spc="-434" dirty="0">
+              <a:rPr sz="4800" b="1" spc="-434" dirty="0">
                 <a:latin typeface="돋움" panose="020B0600000101010101" pitchFamily="50" charset="-127"/>
                 <a:ea typeface="돋움" panose="020B0600000101010101" pitchFamily="50" charset="-127"/>
                 <a:cs typeface="Arial" panose="020B0604020202020204" pitchFamily="34" charset="0"/>
@@ -7403,7 +7495,7 @@
               <a:t>: </a:t>
             </a:r>
             <a:r>
-              <a:rPr sz="4950" b="1" spc="-770" dirty="0">
+              <a:rPr sz="4800" b="1" spc="-770" dirty="0">
                 <a:latin typeface="돋움" panose="020B0600000101010101" pitchFamily="50" charset="-127"/>
                 <a:ea typeface="돋움" panose="020B0600000101010101" pitchFamily="50" charset="-127"/>
                 <a:cs typeface="Arial" panose="020B0604020202020204" pitchFamily="34" charset="0"/>
@@ -7411,7 +7503,7 @@
               <a:t>플렉스박스</a:t>
             </a:r>
             <a:r>
-              <a:rPr sz="4950" b="1" spc="-409" dirty="0">
+              <a:rPr sz="4800" b="1" spc="-409" dirty="0">
                 <a:latin typeface="돋움" panose="020B0600000101010101" pitchFamily="50" charset="-127"/>
                 <a:ea typeface="돋움" panose="020B0600000101010101" pitchFamily="50" charset="-127"/>
                 <a:cs typeface="Arial" panose="020B0604020202020204" pitchFamily="34" charset="0"/>
@@ -7419,7 +7511,7 @@
               <a:t> </a:t>
             </a:r>
             <a:r>
-              <a:rPr sz="4950" b="1" spc="-805" dirty="0">
+              <a:rPr sz="4800" b="1" spc="-805" dirty="0">
                 <a:latin typeface="돋움" panose="020B0600000101010101" pitchFamily="50" charset="-127"/>
                 <a:ea typeface="돋움" panose="020B0600000101010101" pitchFamily="50" charset="-127"/>
                 <a:cs typeface="Arial" panose="020B0604020202020204" pitchFamily="34" charset="0"/>
@@ -7427,7 +7519,7 @@
               <a:t>방식으로 </a:t>
             </a:r>
             <a:r>
-              <a:rPr sz="4950" b="1" spc="-790" dirty="0">
+              <a:rPr sz="4800" b="1" spc="-790" dirty="0">
                 <a:latin typeface="돋움" panose="020B0600000101010101" pitchFamily="50" charset="-127"/>
                 <a:ea typeface="돋움" panose="020B0600000101010101" pitchFamily="50" charset="-127"/>
                 <a:cs typeface="Arial" panose="020B0604020202020204" pitchFamily="34" charset="0"/>
@@ -7435,7 +7527,7 @@
               <a:t>레이아웃을 </a:t>
             </a:r>
             <a:r>
-              <a:rPr sz="4950" b="1" spc="-830" dirty="0">
+              <a:rPr sz="4800" b="1" spc="-830" dirty="0">
                 <a:latin typeface="돋움" panose="020B0600000101010101" pitchFamily="50" charset="-127"/>
                 <a:ea typeface="돋움" panose="020B0600000101010101" pitchFamily="50" charset="-127"/>
                 <a:cs typeface="Arial" panose="020B0604020202020204" pitchFamily="34" charset="0"/>
@@ -7443,7 +7535,7 @@
               <a:t>결정할</a:t>
             </a:r>
             <a:r>
-              <a:rPr sz="4950" b="1" spc="-710" dirty="0">
+              <a:rPr sz="4800" b="1" spc="-710" dirty="0">
                 <a:latin typeface="돋움" panose="020B0600000101010101" pitchFamily="50" charset="-127"/>
                 <a:ea typeface="돋움" panose="020B0600000101010101" pitchFamily="50" charset="-127"/>
                 <a:cs typeface="Arial" panose="020B0604020202020204" pitchFamily="34" charset="0"/>
@@ -7451,14 +7543,14 @@
               <a:t> </a:t>
             </a:r>
             <a:r>
-              <a:rPr sz="4950" b="1" spc="-844" dirty="0">
+              <a:rPr sz="4800" b="1" spc="-844" dirty="0">
                 <a:latin typeface="돋움" panose="020B0600000101010101" pitchFamily="50" charset="-127"/>
                 <a:ea typeface="돋움" panose="020B0600000101010101" pitchFamily="50" charset="-127"/>
                 <a:cs typeface="Arial" panose="020B0604020202020204" pitchFamily="34" charset="0"/>
               </a:rPr>
               <a:t>요소</a:t>
             </a:r>
-            <a:endParaRPr sz="4950" b="1" dirty="0">
+            <a:endParaRPr sz="4800" b="1" dirty="0">
               <a:latin typeface="돋움" panose="020B0600000101010101" pitchFamily="50" charset="-127"/>
               <a:ea typeface="돋움" panose="020B0600000101010101" pitchFamily="50" charset="-127"/>
               <a:cs typeface="Arial" panose="020B0604020202020204" pitchFamily="34" charset="0"/>
@@ -7474,7 +7566,7 @@
               </a:spcBef>
             </a:pPr>
             <a:r>
-              <a:rPr sz="4950" b="1" spc="-765" dirty="0">
+              <a:rPr sz="4800" b="1" spc="-765" dirty="0">
                 <a:latin typeface="돋움" panose="020B0600000101010101" pitchFamily="50" charset="-127"/>
                 <a:ea typeface="돋움" panose="020B0600000101010101" pitchFamily="50" charset="-127"/>
                 <a:cs typeface="Arial" panose="020B0604020202020204" pitchFamily="34" charset="0"/>
@@ -7482,7 +7574,7 @@
               <a:t>플렉스 </a:t>
             </a:r>
             <a:r>
-              <a:rPr sz="4950" b="1" spc="-750" dirty="0">
+              <a:rPr sz="4800" b="1" spc="-750" dirty="0">
                 <a:latin typeface="돋움" panose="020B0600000101010101" pitchFamily="50" charset="-127"/>
                 <a:ea typeface="돋움" panose="020B0600000101010101" pitchFamily="50" charset="-127"/>
                 <a:cs typeface="Arial" panose="020B0604020202020204" pitchFamily="34" charset="0"/>
@@ -7490,7 +7582,7 @@
               <a:t>아이템 </a:t>
             </a:r>
             <a:r>
-              <a:rPr sz="4950" b="1" spc="-434" dirty="0">
+              <a:rPr sz="4800" b="1" spc="-434" dirty="0">
                 <a:latin typeface="돋움" panose="020B0600000101010101" pitchFamily="50" charset="-127"/>
                 <a:ea typeface="돋움" panose="020B0600000101010101" pitchFamily="50" charset="-127"/>
                 <a:cs typeface="Arial" panose="020B0604020202020204" pitchFamily="34" charset="0"/>
@@ -7498,7 +7590,7 @@
               <a:t>: </a:t>
             </a:r>
             <a:r>
-              <a:rPr sz="4950" b="1" spc="-765" dirty="0">
+              <a:rPr sz="4800" b="1" spc="-765" dirty="0">
                 <a:latin typeface="돋움" panose="020B0600000101010101" pitchFamily="50" charset="-127"/>
                 <a:ea typeface="돋움" panose="020B0600000101010101" pitchFamily="50" charset="-127"/>
                 <a:cs typeface="Arial" panose="020B0604020202020204" pitchFamily="34" charset="0"/>
@@ -7506,7 +7598,7 @@
               <a:t>플렉스 </a:t>
             </a:r>
             <a:r>
-              <a:rPr sz="4950" b="1" spc="-860" dirty="0">
+              <a:rPr sz="4800" b="1" spc="-860" dirty="0">
                 <a:latin typeface="돋움" panose="020B0600000101010101" pitchFamily="50" charset="-127"/>
                 <a:ea typeface="돋움" panose="020B0600000101010101" pitchFamily="50" charset="-127"/>
                 <a:cs typeface="Arial" panose="020B0604020202020204" pitchFamily="34" charset="0"/>
@@ -7514,7 +7606,7 @@
               <a:t>컨테이너 </a:t>
             </a:r>
             <a:r>
-              <a:rPr sz="4950" b="1" spc="-765" dirty="0">
+              <a:rPr sz="4800" b="1" spc="-765" dirty="0">
                 <a:latin typeface="돋움" panose="020B0600000101010101" pitchFamily="50" charset="-127"/>
                 <a:ea typeface="돋움" panose="020B0600000101010101" pitchFamily="50" charset="-127"/>
                 <a:cs typeface="Arial" panose="020B0604020202020204" pitchFamily="34" charset="0"/>
@@ -7522,7 +7614,7 @@
               <a:t>내부에서 </a:t>
             </a:r>
             <a:r>
-              <a:rPr sz="4950" b="1" spc="-770" dirty="0">
+              <a:rPr sz="4800" b="1" spc="-770" dirty="0">
                 <a:latin typeface="돋움" panose="020B0600000101010101" pitchFamily="50" charset="-127"/>
                 <a:ea typeface="돋움" panose="020B0600000101010101" pitchFamily="50" charset="-127"/>
                 <a:cs typeface="Arial" panose="020B0604020202020204" pitchFamily="34" charset="0"/>
@@ -7530,7 +7622,7 @@
               <a:t>플렉스박스</a:t>
             </a:r>
             <a:r>
-              <a:rPr sz="4950" b="1" spc="-409" dirty="0">
+              <a:rPr sz="4800" b="1" spc="-409" dirty="0">
                 <a:latin typeface="돋움" panose="020B0600000101010101" pitchFamily="50" charset="-127"/>
                 <a:ea typeface="돋움" panose="020B0600000101010101" pitchFamily="50" charset="-127"/>
                 <a:cs typeface="Arial" panose="020B0604020202020204" pitchFamily="34" charset="0"/>
@@ -7538,7 +7630,7 @@
               <a:t> </a:t>
             </a:r>
             <a:r>
-              <a:rPr sz="4950" b="1" spc="-805" dirty="0">
+              <a:rPr sz="4800" b="1" spc="-805" dirty="0">
                 <a:latin typeface="돋움" panose="020B0600000101010101" pitchFamily="50" charset="-127"/>
                 <a:ea typeface="돋움" panose="020B0600000101010101" pitchFamily="50" charset="-127"/>
                 <a:cs typeface="Arial" panose="020B0604020202020204" pitchFamily="34" charset="0"/>
@@ -7546,7 +7638,7 @@
               <a:t>방식으로 </a:t>
             </a:r>
             <a:r>
-              <a:rPr sz="4950" b="1" spc="-830" dirty="0">
+              <a:rPr sz="4800" b="1" spc="-830" dirty="0">
                 <a:latin typeface="돋움" panose="020B0600000101010101" pitchFamily="50" charset="-127"/>
                 <a:ea typeface="돋움" panose="020B0600000101010101" pitchFamily="50" charset="-127"/>
                 <a:cs typeface="Arial" panose="020B0604020202020204" pitchFamily="34" charset="0"/>
@@ -7554,7 +7646,7 @@
               <a:t>배치되는</a:t>
             </a:r>
             <a:r>
-              <a:rPr sz="4950" b="1" spc="-819" dirty="0">
+              <a:rPr sz="4800" b="1" spc="-819" dirty="0">
                 <a:latin typeface="돋움" panose="020B0600000101010101" pitchFamily="50" charset="-127"/>
                 <a:ea typeface="돋움" panose="020B0600000101010101" pitchFamily="50" charset="-127"/>
                 <a:cs typeface="Arial" panose="020B0604020202020204" pitchFamily="34" charset="0"/>
@@ -7562,14 +7654,14 @@
               <a:t> </a:t>
             </a:r>
             <a:r>
-              <a:rPr sz="4950" b="1" spc="-844" dirty="0">
+              <a:rPr sz="4800" b="1" spc="-844" dirty="0">
                 <a:latin typeface="돋움" panose="020B0600000101010101" pitchFamily="50" charset="-127"/>
                 <a:ea typeface="돋움" panose="020B0600000101010101" pitchFamily="50" charset="-127"/>
                 <a:cs typeface="Arial" panose="020B0604020202020204" pitchFamily="34" charset="0"/>
               </a:rPr>
               <a:t>요소</a:t>
             </a:r>
-            <a:endParaRPr sz="4950" b="1" dirty="0">
+            <a:endParaRPr sz="4800" b="1" dirty="0">
               <a:latin typeface="돋움" panose="020B0600000101010101" pitchFamily="50" charset="-127"/>
               <a:ea typeface="돋움" panose="020B0600000101010101" pitchFamily="50" charset="-127"/>
               <a:cs typeface="Arial" panose="020B0604020202020204" pitchFamily="34" charset="0"/>
@@ -13821,9 +13913,6 @@
               </a:rPr>
               <a:t>.</a:t>
             </a:r>
-            <a:endParaRPr lang="en-US" altLang="ko-KR" sz="4950" dirty="0">
-              <a:cs typeface="Arial" panose="020B0604020202020204" pitchFamily="34" charset="0"/>
-            </a:endParaRPr>
           </a:p>
         </p:txBody>
       </p:sp>
@@ -14091,8 +14180,8 @@
         </p:nvSpPr>
         <p:spPr>
           <a:xfrm>
-            <a:off x="4790295" y="3823203"/>
-            <a:ext cx="10511155" cy="2538730"/>
+            <a:off x="3727451" y="3823203"/>
+            <a:ext cx="12636844" cy="2549416"/>
           </a:xfrm>
           <a:prstGeom prst="rect">
             <a:avLst/>
@@ -14113,27 +14202,13 @@
               </a:spcBef>
             </a:pPr>
             <a:r>
-              <a:rPr sz="16450" b="1" spc="-2225" dirty="0">
+              <a:rPr sz="16450" b="1" spc="-300" dirty="0">
                 <a:latin typeface="Arial" panose="020B0604020202020204" pitchFamily="34" charset="0"/>
                 <a:cs typeface="Arial" panose="020B0604020202020204" pitchFamily="34" charset="0"/>
               </a:rPr>
-              <a:t>display:</a:t>
-            </a:r>
-            <a:r>
-              <a:rPr sz="16450" b="1" spc="-1345" dirty="0">
-                <a:latin typeface="Arial" panose="020B0604020202020204" pitchFamily="34" charset="0"/>
-                <a:cs typeface="Arial" panose="020B0604020202020204" pitchFamily="34" charset="0"/>
-              </a:rPr>
-              <a:t> </a:t>
-            </a:r>
-            <a:r>
-              <a:rPr sz="16450" b="1" spc="-1530" dirty="0">
-                <a:latin typeface="Arial" panose="020B0604020202020204" pitchFamily="34" charset="0"/>
-                <a:cs typeface="Arial" panose="020B0604020202020204" pitchFamily="34" charset="0"/>
-              </a:rPr>
-              <a:t>flex;</a:t>
-            </a:r>
-            <a:endParaRPr sz="16450" dirty="0">
+              <a:t>display: flex;</a:t>
+            </a:r>
+            <a:endParaRPr sz="16450" spc="-300" dirty="0">
               <a:latin typeface="Arial" panose="020B0604020202020204" pitchFamily="34" charset="0"/>
               <a:cs typeface="Arial" panose="020B0604020202020204" pitchFamily="34" charset="0"/>
             </a:endParaRPr>
@@ -19095,8 +19170,8 @@
         </p:nvSpPr>
         <p:spPr>
           <a:xfrm>
-            <a:off x="2130690" y="3823203"/>
-            <a:ext cx="15830550" cy="2538730"/>
+            <a:off x="2127250" y="3144375"/>
+            <a:ext cx="15830550" cy="5080878"/>
           </a:xfrm>
           <a:prstGeom prst="rect">
             <a:avLst/>
@@ -19108,7 +19183,7 @@
           </a:bodyPr>
           <a:lstStyle/>
           <a:p>
-            <a:pPr marL="12700">
+            <a:pPr marL="12700" algn="ctr">
               <a:lnSpc>
                 <a:spcPct val="100000"/>
               </a:lnSpc>
@@ -19117,27 +19192,40 @@
               </a:spcBef>
             </a:pPr>
             <a:r>
-              <a:rPr sz="16450" b="1" spc="-2225" dirty="0">
+              <a:rPr sz="16450" b="1" spc="-300" dirty="0">
                 <a:latin typeface="Arial" panose="020B0604020202020204" pitchFamily="34" charset="0"/>
                 <a:cs typeface="Arial" panose="020B0604020202020204" pitchFamily="34" charset="0"/>
               </a:rPr>
-              <a:t>display:</a:t>
-            </a:r>
-            <a:r>
-              <a:rPr sz="16450" b="1" spc="-1330" dirty="0">
+              <a:t>display: </a:t>
+            </a:r>
+            <a:r>
+              <a:rPr lang="en-US" sz="16450" b="1" spc="-300" dirty="0" smtClean="0">
                 <a:latin typeface="Arial" panose="020B0604020202020204" pitchFamily="34" charset="0"/>
                 <a:cs typeface="Arial" panose="020B0604020202020204" pitchFamily="34" charset="0"/>
               </a:rPr>
-              <a:t> </a:t>
-            </a:r>
-            <a:r>
-              <a:rPr sz="16450" b="1" spc="-1630" dirty="0">
+              <a:t/>
+            </a:r>
+            <a:br>
+              <a:rPr lang="en-US" sz="16450" b="1" spc="-300" dirty="0" smtClean="0">
                 <a:latin typeface="Arial" panose="020B0604020202020204" pitchFamily="34" charset="0"/>
                 <a:cs typeface="Arial" panose="020B0604020202020204" pitchFamily="34" charset="0"/>
               </a:rPr>
-              <a:t>inline-flex;</a:t>
-            </a:r>
-            <a:endParaRPr sz="16450" dirty="0">
+            </a:br>
+            <a:r>
+              <a:rPr sz="16450" b="1" spc="-300" dirty="0" smtClean="0">
+                <a:latin typeface="Arial" panose="020B0604020202020204" pitchFamily="34" charset="0"/>
+                <a:cs typeface="Arial" panose="020B0604020202020204" pitchFamily="34" charset="0"/>
+              </a:rPr>
+              <a:t>inline-flex</a:t>
+            </a:r>
+            <a:r>
+              <a:rPr sz="16450" b="1" spc="-300" dirty="0">
+                <a:latin typeface="Arial" panose="020B0604020202020204" pitchFamily="34" charset="0"/>
+                <a:cs typeface="Arial" panose="020B0604020202020204" pitchFamily="34" charset="0"/>
+              </a:rPr>
+              <a:t>;</a:t>
+            </a:r>
+            <a:endParaRPr sz="16450" spc="-300" dirty="0">
               <a:latin typeface="Arial" panose="020B0604020202020204" pitchFamily="34" charset="0"/>
               <a:cs typeface="Arial" panose="020B0604020202020204" pitchFamily="34" charset="0"/>
             </a:endParaRPr>
@@ -19660,7 +19748,7 @@
               </a:spcBef>
             </a:pPr>
             <a:r>
-              <a:rPr lang="en-US" sz="2300" b="1" spc="-295" dirty="0">
+              <a:rPr lang="en-US" sz="2300" b="1" spc="-300" dirty="0">
                 <a:solidFill>
                   <a:srgbClr val="FFFFFF"/>
                 </a:solidFill>
@@ -19670,7 +19758,7 @@
               <a:t> </a:t>
             </a:r>
             <a:r>
-              <a:rPr lang="en-US" sz="2300" b="1" spc="-295" dirty="0" smtClean="0">
+              <a:rPr lang="en-US" sz="2300" b="1" spc="-300" dirty="0" smtClean="0">
                 <a:solidFill>
                   <a:srgbClr val="FFFFFF"/>
                 </a:solidFill>
@@ -19680,7 +19768,7 @@
               <a:t>       </a:t>
             </a:r>
             <a:r>
-              <a:rPr sz="2300" b="1" spc="-340" dirty="0" err="1" smtClean="0">
+              <a:rPr sz="2300" b="1" spc="-300" dirty="0" err="1" smtClean="0">
                 <a:solidFill>
                   <a:srgbClr val="FFFFFF"/>
                 </a:solidFill>
@@ -19689,7 +19777,7 @@
               </a:rPr>
               <a:t>주축</a:t>
             </a:r>
-            <a:endParaRPr sz="2300" dirty="0">
+            <a:endParaRPr sz="2300" spc="-300" dirty="0">
               <a:latin typeface="돋움" panose="020B0600000101010101" pitchFamily="50" charset="-127"/>
               <a:cs typeface="Noto Sans KR Black"/>
             </a:endParaRPr>
@@ -20357,7 +20445,7 @@
           <p:nvPr>
             <p:extLst>
               <p:ext uri="{D42A27DB-BD31-4B8C-83A1-F6EECF244321}">
-                <p14:modId xmlns:p14="http://schemas.microsoft.com/office/powerpoint/2010/main" val="3938220191"/>
+                <p14:modId xmlns:p14="http://schemas.microsoft.com/office/powerpoint/2010/main" val="1570560107"/>
               </p:ext>
             </p:extLst>
           </p:nvPr>
@@ -20862,7 +20950,35 @@
                           <a:latin typeface="Arial" panose="020B0604020202020204" pitchFamily="34" charset="0"/>
                           <a:cs typeface="Arial" panose="020B0604020202020204" pitchFamily="34" charset="0"/>
                         </a:rPr>
-                        <a:t>주축은 열이고 방향은 콘텐츠의 방향과 동일</a:t>
+                        <a:t>주축은 열이고 방향은 콘텐츠의 방향과 </a:t>
+                      </a:r>
+                      <a:r>
+                        <a:rPr sz="3300" b="1" spc="0" dirty="0" smtClean="0">
+                          <a:latin typeface="Arial" panose="020B0604020202020204" pitchFamily="34" charset="0"/>
+                          <a:cs typeface="Arial" panose="020B0604020202020204" pitchFamily="34" charset="0"/>
+                        </a:rPr>
+                        <a:t>동일</a:t>
+                      </a:r>
+                      <a:r>
+                        <a:rPr lang="en-US" sz="3300" b="1" spc="0" dirty="0" smtClean="0">
+                          <a:latin typeface="Arial" panose="020B0604020202020204" pitchFamily="34" charset="0"/>
+                          <a:cs typeface="Arial" panose="020B0604020202020204" pitchFamily="34" charset="0"/>
+                        </a:rPr>
+                        <a:t>(</a:t>
+                      </a:r>
+                      <a:r>
+                        <a:rPr lang="ko-KR" altLang="en-US" sz="3300" b="1" spc="0" dirty="0" smtClean="0">
+                          <a:latin typeface="Arial" panose="020B0604020202020204" pitchFamily="34" charset="0"/>
+                          <a:cs typeface="Arial" panose="020B0604020202020204" pitchFamily="34" charset="0"/>
+                        </a:rPr>
+                        <a:t>↓</a:t>
+                      </a:r>
+                      <a:r>
+                        <a:rPr lang="en-US" altLang="ko-KR" sz="3300" b="1" spc="0" dirty="0" smtClean="0">
+                          <a:latin typeface="Arial" panose="020B0604020202020204" pitchFamily="34" charset="0"/>
+                          <a:cs typeface="Arial" panose="020B0604020202020204" pitchFamily="34" charset="0"/>
+                        </a:rPr>
+                        <a:t>)</a:t>
                       </a:r>
                       <a:endParaRPr sz="3300" spc="0" dirty="0">
                         <a:latin typeface="Arial" panose="020B0604020202020204" pitchFamily="34" charset="0"/>
@@ -21016,7 +21132,35 @@
                           <a:latin typeface="Arial" panose="020B0604020202020204" pitchFamily="34" charset="0"/>
                           <a:cs typeface="Arial" panose="020B0604020202020204" pitchFamily="34" charset="0"/>
                         </a:rPr>
-                        <a:t>주축은 열이고 방향은 콘텐츠의 방향과 반대</a:t>
+                        <a:t>주축은 열이고 방향은 콘텐츠의 방향과 </a:t>
+                      </a:r>
+                      <a:r>
+                        <a:rPr sz="3300" b="1" spc="0" dirty="0" smtClean="0">
+                          <a:latin typeface="Arial" panose="020B0604020202020204" pitchFamily="34" charset="0"/>
+                          <a:cs typeface="Arial" panose="020B0604020202020204" pitchFamily="34" charset="0"/>
+                        </a:rPr>
+                        <a:t>반대</a:t>
+                      </a:r>
+                      <a:r>
+                        <a:rPr lang="en-US" sz="3300" b="1" spc="0" dirty="0" smtClean="0">
+                          <a:latin typeface="Arial" panose="020B0604020202020204" pitchFamily="34" charset="0"/>
+                          <a:cs typeface="Arial" panose="020B0604020202020204" pitchFamily="34" charset="0"/>
+                        </a:rPr>
+                        <a:t>(</a:t>
+                      </a:r>
+                      <a:r>
+                        <a:rPr lang="ko-KR" altLang="en-US" sz="3300" b="1" spc="0" dirty="0" smtClean="0">
+                          <a:latin typeface="Arial" panose="020B0604020202020204" pitchFamily="34" charset="0"/>
+                          <a:cs typeface="Arial" panose="020B0604020202020204" pitchFamily="34" charset="0"/>
+                        </a:rPr>
+                        <a:t>↑</a:t>
+                      </a:r>
+                      <a:r>
+                        <a:rPr lang="en-US" sz="3300" b="1" spc="0" dirty="0" smtClean="0">
+                          <a:latin typeface="Arial" panose="020B0604020202020204" pitchFamily="34" charset="0"/>
+                          <a:cs typeface="Arial" panose="020B0604020202020204" pitchFamily="34" charset="0"/>
+                        </a:rPr>
+                        <a:t>)</a:t>
                       </a:r>
                       <a:endParaRPr sz="3300" spc="0" dirty="0">
                         <a:latin typeface="Arial" panose="020B0604020202020204" pitchFamily="34" charset="0"/>
@@ -22961,6 +23105,52 @@
               <a:latin typeface="Arial" panose="020B0604020202020204" pitchFamily="34" charset="0"/>
               <a:cs typeface="Arial" panose="020B0604020202020204" pitchFamily="34" charset="0"/>
             </a:endParaRPr>
+          </a:p>
+        </p:txBody>
+      </p:sp>
+      <p:sp>
+        <p:nvSpPr>
+          <p:cNvPr id="3" name="직사각형 2"/>
+          <p:cNvSpPr/>
+          <p:nvPr/>
+        </p:nvSpPr>
+        <p:spPr>
+          <a:xfrm>
+            <a:off x="8680450" y="3216275"/>
+            <a:ext cx="3962400" cy="685800"/>
+          </a:xfrm>
+          <a:prstGeom prst="rect">
+            <a:avLst/>
+          </a:prstGeom>
+          <a:noFill/>
+          <a:ln w="38100">
+            <a:solidFill>
+              <a:srgbClr val="FF0000"/>
+            </a:solidFill>
+          </a:ln>
+        </p:spPr>
+        <p:style>
+          <a:lnRef idx="2">
+            <a:schemeClr val="accent1">
+              <a:shade val="50000"/>
+            </a:schemeClr>
+          </a:lnRef>
+          <a:fillRef idx="1">
+            <a:schemeClr val="accent1"/>
+          </a:fillRef>
+          <a:effectRef idx="0">
+            <a:schemeClr val="accent1"/>
+          </a:effectRef>
+          <a:fontRef idx="minor">
+            <a:schemeClr val="lt1"/>
+          </a:fontRef>
+        </p:style>
+        <p:txBody>
+          <a:bodyPr rtlCol="0" anchor="ctr"/>
+          <a:lstStyle/>
+          <a:p>
+            <a:pPr algn="ctr"/>
+            <a:endParaRPr lang="ko-KR" altLang="en-US"/>
           </a:p>
         </p:txBody>
       </p:sp>

--- a/수업자료/7. flex_grid.pptx
+++ b/수업자료/7. flex_grid.pptx
@@ -4490,6 +4490,48 @@
           </a:p>
         </p:txBody>
       </p:sp>
+      <p:sp>
+        <p:nvSpPr>
+          <p:cNvPr id="5" name="TextBox 4"/>
+          <p:cNvSpPr txBox="1"/>
+          <p:nvPr/>
+        </p:nvSpPr>
+        <p:spPr>
+          <a:xfrm>
+            <a:off x="12566650" y="8446131"/>
+            <a:ext cx="6851650" cy="830997"/>
+          </a:xfrm>
+          <a:prstGeom prst="rect">
+            <a:avLst/>
+          </a:prstGeom>
+          <a:noFill/>
+        </p:spPr>
+        <p:txBody>
+          <a:bodyPr wrap="square" rtlCol="0">
+            <a:spAutoFit/>
+          </a:bodyPr>
+          <a:lstStyle/>
+          <a:p>
+            <a:r>
+              <a:rPr lang="en-US" altLang="ko-KR" sz="4800" b="1" dirty="0" smtClean="0"/>
+              <a:t>*</a:t>
+            </a:r>
+            <a:r>
+              <a:rPr lang="ko-KR" altLang="en-US" sz="4800" b="1" dirty="0" smtClean="0"/>
+              <a:t>아이템이 </a:t>
+            </a:r>
+            <a:r>
+              <a:rPr lang="en-US" altLang="ko-KR" sz="4800" b="1" dirty="0" smtClean="0"/>
+              <a:t>2</a:t>
+            </a:r>
+            <a:r>
+              <a:rPr lang="ko-KR" altLang="en-US" sz="4800" b="1" dirty="0" smtClean="0"/>
+              <a:t>줄 이상일 때</a:t>
+            </a:r>
+            <a:endParaRPr lang="ko-KR" altLang="en-US" sz="4800" b="1" dirty="0"/>
+          </a:p>
+        </p:txBody>
+      </p:sp>
     </p:spTree>
   </p:cSld>
   <p:clrMapOvr>
